--- a/2 前端/Vue/Vue双向数据绑定原理/Vue双向数据绑定原理.pptx
+++ b/2 前端/Vue/Vue双向数据绑定原理/Vue双向数据绑定原理.pptx
@@ -5,11 +5,13 @@
     <p:sldMasterId id="2147483648" r:id="rId1"/>
   </p:sldMasterIdLst>
   <p:notesMasterIdLst>
-    <p:notesMasterId r:id="rId4"/>
+    <p:notesMasterId r:id="rId6"/>
   </p:notesMasterIdLst>
   <p:sldIdLst>
     <p:sldId id="702" r:id="rId2"/>
-    <p:sldId id="703" r:id="rId3"/>
+    <p:sldId id="704" r:id="rId3"/>
+    <p:sldId id="705" r:id="rId4"/>
+    <p:sldId id="703" r:id="rId5"/>
   </p:sldIdLst>
   <p:sldSz cx="12192000" cy="6858000"/>
   <p:notesSz cx="6858000" cy="9144000"/>
@@ -201,7 +203,7 @@
           <a:p>
             <a:fld id="{7F25A8C7-CC1A-4A08-9B4B-31F43B054C7F}" type="datetimeFigureOut">
               <a:rPr lang="zh-CN" altLang="en-US" smtClean="0"/>
-              <a:t>2021/4/9</a:t>
+              <a:t>2021/4/12</a:t>
             </a:fld>
             <a:endParaRPr lang="zh-CN" altLang="en-US"/>
           </a:p>
@@ -497,7 +499,7 @@
           <a:p>
             <a:fld id="{760FBDFE-C587-4B4C-A407-44438C67B59E}" type="datetimeFigureOut">
               <a:rPr lang="zh-CN" altLang="en-US" smtClean="0"/>
-              <a:t>2021/4/9</a:t>
+              <a:t>2021/4/12</a:t>
             </a:fld>
             <a:endParaRPr lang="zh-CN" altLang="en-US"/>
           </a:p>
@@ -718,7 +720,7 @@
           <a:p>
             <a:fld id="{D997B5FA-0921-464F-AAE1-844C04324D75}" type="datetimeFigureOut">
               <a:rPr lang="zh-CN" altLang="en-US" smtClean="0"/>
-              <a:t>2021/4/9</a:t>
+              <a:t>2021/4/12</a:t>
             </a:fld>
             <a:endParaRPr lang="zh-CN" altLang="en-US" dirty="0"/>
           </a:p>
@@ -2145,6 +2147,338 @@
 </file>
 
 <file path=ppt/slides/slide2.xml><?xml version="1.0" encoding="utf-8"?>
+<p:sld xmlns:a="http://schemas.openxmlformats.org/drawingml/2006/main" xmlns:r="http://schemas.openxmlformats.org/officeDocument/2006/relationships" xmlns:p="http://schemas.openxmlformats.org/presentationml/2006/main">
+  <p:cSld>
+    <p:spTree>
+      <p:nvGrpSpPr>
+        <p:cNvPr id="1" name=""/>
+        <p:cNvGrpSpPr/>
+        <p:nvPr/>
+      </p:nvGrpSpPr>
+      <p:grpSpPr>
+        <a:xfrm>
+          <a:off x="0" y="0"/>
+          <a:ext cx="0" cy="0"/>
+          <a:chOff x="0" y="0"/>
+          <a:chExt cx="0" cy="0"/>
+        </a:xfrm>
+      </p:grpSpPr>
+      <p:sp>
+        <p:nvSpPr>
+          <p:cNvPr id="45" name="文本框 44">
+            <a:extLst>
+              <a:ext uri="{FF2B5EF4-FFF2-40B4-BE49-F238E27FC236}">
+                <a16:creationId xmlns:a16="http://schemas.microsoft.com/office/drawing/2014/main" id="{2B9BBC5B-46BE-4703-A63F-A93CB5F97364}"/>
+              </a:ext>
+            </a:extLst>
+          </p:cNvPr>
+          <p:cNvSpPr txBox="1"/>
+          <p:nvPr/>
+        </p:nvSpPr>
+        <p:spPr>
+          <a:xfrm>
+            <a:off x="1845354" y="2144346"/>
+            <a:ext cx="5536274" cy="1168910"/>
+          </a:xfrm>
+          <a:prstGeom prst="rect">
+            <a:avLst/>
+          </a:prstGeom>
+          <a:noFill/>
+        </p:spPr>
+        <p:txBody>
+          <a:bodyPr wrap="square">
+            <a:spAutoFit/>
+          </a:bodyPr>
+          <a:lstStyle/>
+          <a:p>
+            <a:pPr algn="just">
+              <a:lnSpc>
+                <a:spcPct val="150000"/>
+              </a:lnSpc>
+            </a:pPr>
+            <a:r>
+              <a:rPr lang="en-US" altLang="zh-CN" sz="1200" b="0" i="0" dirty="0">
+                <a:solidFill>
+                  <a:srgbClr val="121212"/>
+                </a:solidFill>
+                <a:effectLst/>
+                <a:latin typeface="微软雅黑 Light" panose="020B0502040204020203" pitchFamily="34" charset="-122"/>
+                <a:ea typeface="微软雅黑 Light" panose="020B0502040204020203" pitchFamily="34" charset="-122"/>
+              </a:rPr>
+              <a:t>V1 </a:t>
+            </a:r>
+            <a:r>
+              <a:rPr lang="zh-CN" altLang="en-US" sz="1200" b="0" i="0" dirty="0">
+                <a:solidFill>
+                  <a:srgbClr val="121212"/>
+                </a:solidFill>
+                <a:effectLst/>
+                <a:latin typeface="微软雅黑 Light" panose="020B0502040204020203" pitchFamily="34" charset="-122"/>
+                <a:ea typeface="微软雅黑 Light" panose="020B0502040204020203" pitchFamily="34" charset="-122"/>
+              </a:rPr>
+              <a:t>数据监控</a:t>
+            </a:r>
+            <a:endParaRPr lang="en-US" altLang="zh-CN" sz="1200" b="0" i="0" dirty="0">
+              <a:solidFill>
+                <a:srgbClr val="121212"/>
+              </a:solidFill>
+              <a:effectLst/>
+              <a:latin typeface="微软雅黑 Light" panose="020B0502040204020203" pitchFamily="34" charset="-122"/>
+              <a:ea typeface="微软雅黑 Light" panose="020B0502040204020203" pitchFamily="34" charset="-122"/>
+            </a:endParaRPr>
+          </a:p>
+          <a:p>
+            <a:pPr algn="just">
+              <a:lnSpc>
+                <a:spcPct val="150000"/>
+              </a:lnSpc>
+            </a:pPr>
+            <a:r>
+              <a:rPr lang="en-US" altLang="zh-CN" sz="1200" dirty="0">
+                <a:solidFill>
+                  <a:srgbClr val="121212"/>
+                </a:solidFill>
+                <a:latin typeface="微软雅黑 Light" panose="020B0502040204020203" pitchFamily="34" charset="-122"/>
+                <a:ea typeface="微软雅黑 Light" panose="020B0502040204020203" pitchFamily="34" charset="-122"/>
+              </a:rPr>
+              <a:t>V2 Observe/</a:t>
+            </a:r>
+            <a:r>
+              <a:rPr lang="en-US" altLang="zh-CN" sz="1200" b="0" i="0" dirty="0">
+                <a:solidFill>
+                  <a:srgbClr val="121212"/>
+                </a:solidFill>
+                <a:effectLst/>
+                <a:latin typeface="微软雅黑 Light" panose="020B0502040204020203" pitchFamily="34" charset="-122"/>
+                <a:ea typeface="微软雅黑 Light" panose="020B0502040204020203" pitchFamily="34" charset="-122"/>
+              </a:rPr>
+              <a:t>Watcher</a:t>
+            </a:r>
+          </a:p>
+          <a:p>
+            <a:pPr algn="just">
+              <a:lnSpc>
+                <a:spcPct val="150000"/>
+              </a:lnSpc>
+            </a:pPr>
+            <a:r>
+              <a:rPr lang="en-US" altLang="zh-CN" sz="1200" dirty="0">
+                <a:solidFill>
+                  <a:srgbClr val="121212"/>
+                </a:solidFill>
+                <a:latin typeface="微软雅黑 Light" panose="020B0502040204020203" pitchFamily="34" charset="-122"/>
+                <a:ea typeface="微软雅黑 Light" panose="020B0502040204020203" pitchFamily="34" charset="-122"/>
+              </a:rPr>
+              <a:t>V3 Dep</a:t>
+            </a:r>
+          </a:p>
+          <a:p>
+            <a:pPr algn="just">
+              <a:lnSpc>
+                <a:spcPct val="150000"/>
+              </a:lnSpc>
+            </a:pPr>
+            <a:r>
+              <a:rPr lang="en-US" altLang="zh-CN" sz="1200" dirty="0">
+                <a:solidFill>
+                  <a:srgbClr val="121212"/>
+                </a:solidFill>
+                <a:latin typeface="微软雅黑 Light" panose="020B0502040204020203" pitchFamily="34" charset="-122"/>
+                <a:ea typeface="微软雅黑 Light" panose="020B0502040204020203" pitchFamily="34" charset="-122"/>
+              </a:rPr>
+              <a:t>V4 Compile</a:t>
+            </a:r>
+            <a:endParaRPr lang="zh-CN" altLang="en-US" sz="1200" b="0" i="0" dirty="0">
+              <a:solidFill>
+                <a:srgbClr val="121212"/>
+              </a:solidFill>
+              <a:effectLst/>
+              <a:latin typeface="微软雅黑 Light" panose="020B0502040204020203" pitchFamily="34" charset="-122"/>
+              <a:ea typeface="微软雅黑 Light" panose="020B0502040204020203" pitchFamily="34" charset="-122"/>
+            </a:endParaRPr>
+          </a:p>
+        </p:txBody>
+      </p:sp>
+    </p:spTree>
+    <p:extLst>
+      <p:ext uri="{BB962C8B-B14F-4D97-AF65-F5344CB8AC3E}">
+        <p14:creationId xmlns:p14="http://schemas.microsoft.com/office/powerpoint/2010/main" val="1232456120"/>
+      </p:ext>
+    </p:extLst>
+  </p:cSld>
+  <p:clrMapOvr>
+    <a:masterClrMapping/>
+  </p:clrMapOvr>
+</p:sld>
+</file>
+
+<file path=ppt/slides/slide3.xml><?xml version="1.0" encoding="utf-8"?>
+<p:sld xmlns:a="http://schemas.openxmlformats.org/drawingml/2006/main" xmlns:r="http://schemas.openxmlformats.org/officeDocument/2006/relationships" xmlns:p="http://schemas.openxmlformats.org/presentationml/2006/main">
+  <p:cSld>
+    <p:spTree>
+      <p:nvGrpSpPr>
+        <p:cNvPr id="1" name=""/>
+        <p:cNvGrpSpPr/>
+        <p:nvPr/>
+      </p:nvGrpSpPr>
+      <p:grpSpPr>
+        <a:xfrm>
+          <a:off x="0" y="0"/>
+          <a:ext cx="0" cy="0"/>
+          <a:chOff x="0" y="0"/>
+          <a:chExt cx="0" cy="0"/>
+        </a:xfrm>
+      </p:grpSpPr>
+      <p:sp>
+        <p:nvSpPr>
+          <p:cNvPr id="45" name="文本框 44">
+            <a:extLst>
+              <a:ext uri="{FF2B5EF4-FFF2-40B4-BE49-F238E27FC236}">
+                <a16:creationId xmlns:a16="http://schemas.microsoft.com/office/drawing/2014/main" id="{2B9BBC5B-46BE-4703-A63F-A93CB5F97364}"/>
+              </a:ext>
+            </a:extLst>
+          </p:cNvPr>
+          <p:cNvSpPr txBox="1"/>
+          <p:nvPr/>
+        </p:nvSpPr>
+        <p:spPr>
+          <a:xfrm>
+            <a:off x="1845354" y="2144346"/>
+            <a:ext cx="5536274" cy="1168910"/>
+          </a:xfrm>
+          <a:prstGeom prst="rect">
+            <a:avLst/>
+          </a:prstGeom>
+          <a:noFill/>
+        </p:spPr>
+        <p:txBody>
+          <a:bodyPr wrap="square">
+            <a:spAutoFit/>
+          </a:bodyPr>
+          <a:lstStyle/>
+          <a:p>
+            <a:pPr algn="just">
+              <a:lnSpc>
+                <a:spcPct val="150000"/>
+              </a:lnSpc>
+            </a:pPr>
+            <a:r>
+              <a:rPr lang="en-US" altLang="zh-CN" sz="1200" b="0" i="0" dirty="0">
+                <a:solidFill>
+                  <a:srgbClr val="121212"/>
+                </a:solidFill>
+                <a:effectLst/>
+                <a:latin typeface="微软雅黑 Light" panose="020B0502040204020203" pitchFamily="34" charset="-122"/>
+                <a:ea typeface="微软雅黑 Light" panose="020B0502040204020203" pitchFamily="34" charset="-122"/>
+              </a:rPr>
+              <a:t>V1 </a:t>
+            </a:r>
+            <a:r>
+              <a:rPr lang="zh-CN" altLang="en-US" sz="1200" b="0" i="0" dirty="0">
+                <a:solidFill>
+                  <a:srgbClr val="121212"/>
+                </a:solidFill>
+                <a:effectLst/>
+                <a:latin typeface="微软雅黑 Light" panose="020B0502040204020203" pitchFamily="34" charset="-122"/>
+                <a:ea typeface="微软雅黑 Light" panose="020B0502040204020203" pitchFamily="34" charset="-122"/>
+              </a:rPr>
+              <a:t>数据监控</a:t>
+            </a:r>
+            <a:endParaRPr lang="en-US" altLang="zh-CN" sz="1200" b="0" i="0" dirty="0">
+              <a:solidFill>
+                <a:srgbClr val="121212"/>
+              </a:solidFill>
+              <a:effectLst/>
+              <a:latin typeface="微软雅黑 Light" panose="020B0502040204020203" pitchFamily="34" charset="-122"/>
+              <a:ea typeface="微软雅黑 Light" panose="020B0502040204020203" pitchFamily="34" charset="-122"/>
+            </a:endParaRPr>
+          </a:p>
+          <a:p>
+            <a:pPr algn="just">
+              <a:lnSpc>
+                <a:spcPct val="150000"/>
+              </a:lnSpc>
+            </a:pPr>
+            <a:r>
+              <a:rPr lang="en-US" altLang="zh-CN" sz="1200" dirty="0">
+                <a:solidFill>
+                  <a:srgbClr val="121212"/>
+                </a:solidFill>
+                <a:latin typeface="微软雅黑 Light" panose="020B0502040204020203" pitchFamily="34" charset="-122"/>
+                <a:ea typeface="微软雅黑 Light" panose="020B0502040204020203" pitchFamily="34" charset="-122"/>
+              </a:rPr>
+              <a:t>V2 Observe/</a:t>
+            </a:r>
+            <a:r>
+              <a:rPr lang="en-US" altLang="zh-CN" sz="1200" b="0" i="0" dirty="0">
+                <a:solidFill>
+                  <a:srgbClr val="121212"/>
+                </a:solidFill>
+                <a:effectLst/>
+                <a:latin typeface="微软雅黑 Light" panose="020B0502040204020203" pitchFamily="34" charset="-122"/>
+                <a:ea typeface="微软雅黑 Light" panose="020B0502040204020203" pitchFamily="34" charset="-122"/>
+              </a:rPr>
+              <a:t>Watcher</a:t>
+            </a:r>
+          </a:p>
+          <a:p>
+            <a:pPr algn="just">
+              <a:lnSpc>
+                <a:spcPct val="150000"/>
+              </a:lnSpc>
+            </a:pPr>
+            <a:r>
+              <a:rPr lang="en-US" altLang="zh-CN" sz="1200" dirty="0">
+                <a:solidFill>
+                  <a:srgbClr val="121212"/>
+                </a:solidFill>
+                <a:latin typeface="微软雅黑 Light" panose="020B0502040204020203" pitchFamily="34" charset="-122"/>
+                <a:ea typeface="微软雅黑 Light" panose="020B0502040204020203" pitchFamily="34" charset="-122"/>
+              </a:rPr>
+              <a:t>V3 Dep</a:t>
+            </a:r>
+          </a:p>
+          <a:p>
+            <a:pPr algn="just">
+              <a:lnSpc>
+                <a:spcPct val="150000"/>
+              </a:lnSpc>
+            </a:pPr>
+            <a:r>
+              <a:rPr lang="en-US" altLang="zh-CN" sz="1200" dirty="0">
+                <a:solidFill>
+                  <a:srgbClr val="121212"/>
+                </a:solidFill>
+                <a:latin typeface="微软雅黑 Light" panose="020B0502040204020203" pitchFamily="34" charset="-122"/>
+                <a:ea typeface="微软雅黑 Light" panose="020B0502040204020203" pitchFamily="34" charset="-122"/>
+              </a:rPr>
+              <a:t>V4 Compile</a:t>
+            </a:r>
+            <a:endParaRPr lang="zh-CN" altLang="en-US" sz="1200" b="0" i="0" dirty="0">
+              <a:solidFill>
+                <a:srgbClr val="121212"/>
+              </a:solidFill>
+              <a:effectLst/>
+              <a:latin typeface="微软雅黑 Light" panose="020B0502040204020203" pitchFamily="34" charset="-122"/>
+              <a:ea typeface="微软雅黑 Light" panose="020B0502040204020203" pitchFamily="34" charset="-122"/>
+            </a:endParaRPr>
+          </a:p>
+        </p:txBody>
+      </p:sp>
+    </p:spTree>
+    <p:extLst>
+      <p:ext uri="{BB962C8B-B14F-4D97-AF65-F5344CB8AC3E}">
+        <p14:creationId xmlns:p14="http://schemas.microsoft.com/office/powerpoint/2010/main" val="66067428"/>
+      </p:ext>
+    </p:extLst>
+  </p:cSld>
+  <p:clrMapOvr>
+    <a:masterClrMapping/>
+  </p:clrMapOvr>
+</p:sld>
+</file>
+
+<file path=ppt/slides/slide4.xml><?xml version="1.0" encoding="utf-8"?>
 <p:sld xmlns:a="http://schemas.openxmlformats.org/drawingml/2006/main" xmlns:r="http://schemas.openxmlformats.org/officeDocument/2006/relationships" xmlns:p="http://schemas.openxmlformats.org/presentationml/2006/main">
   <p:cSld>
     <p:spTree>
